--- a/case_study_ashish_abhishek.pptx
+++ b/case_study_ashish_abhishek.pptx
@@ -125,6 +125,11 @@
       </a:defRPr>
     </a:lvl9pPr>
   </p:defaultTextStyle>
+  <p:extLst>
+    <p:ext uri="{EFAFB233-063F-42B5-8137-9DF3F51BA10A}">
+      <p15:sldGuideLst xmlns:p15="http://schemas.microsoft.com/office/powerpoint/2012/main"/>
+    </p:ext>
+  </p:extLst>
 </p:presentation>
 </file>
 
@@ -210,7 +215,7 @@
           <a:p>
             <a:fld id="{966BE649-7F2F-E04D-9F29-798A9C4CC143}" type="datetimeFigureOut">
               <a:rPr lang="en-US" smtClean="0"/>
-              <a:t>11/11/24</a:t>
+              <a:t>11/17/24</a:t>
             </a:fld>
             <a:endParaRPr lang="en-US"/>
           </a:p>
@@ -791,7 +796,7 @@
           <a:p>
             <a:fld id="{8CEA6A8B-0F3F-9742-9860-FB4C309D3FB1}" type="datetimeFigureOut">
               <a:rPr lang="en-US" smtClean="0"/>
-              <a:t>11/11/24</a:t>
+              <a:t>11/17/24</a:t>
             </a:fld>
             <a:endParaRPr lang="en-US"/>
           </a:p>
@@ -1125,7 +1130,7 @@
           <a:p>
             <a:fld id="{8CEA6A8B-0F3F-9742-9860-FB4C309D3FB1}" type="datetimeFigureOut">
               <a:rPr lang="en-US" smtClean="0"/>
-              <a:t>11/11/24</a:t>
+              <a:t>11/17/24</a:t>
             </a:fld>
             <a:endParaRPr lang="en-US"/>
           </a:p>
@@ -1403,7 +1408,7 @@
           <a:p>
             <a:fld id="{8CEA6A8B-0F3F-9742-9860-FB4C309D3FB1}" type="datetimeFigureOut">
               <a:rPr lang="en-US" smtClean="0"/>
-              <a:t>11/11/24</a:t>
+              <a:t>11/17/24</a:t>
             </a:fld>
             <a:endParaRPr lang="en-US"/>
           </a:p>
@@ -1971,7 +1976,7 @@
           <a:p>
             <a:fld id="{8CEA6A8B-0F3F-9742-9860-FB4C309D3FB1}" type="datetimeFigureOut">
               <a:rPr lang="en-US" smtClean="0"/>
-              <a:t>11/11/24</a:t>
+              <a:t>11/17/24</a:t>
             </a:fld>
             <a:endParaRPr lang="en-US"/>
           </a:p>
@@ -2249,7 +2254,7 @@
           <a:p>
             <a:fld id="{8CEA6A8B-0F3F-9742-9860-FB4C309D3FB1}" type="datetimeFigureOut">
               <a:rPr lang="en-US" smtClean="0"/>
-              <a:t>11/11/24</a:t>
+              <a:t>11/17/24</a:t>
             </a:fld>
             <a:endParaRPr lang="en-US"/>
           </a:p>
@@ -2811,7 +2816,7 @@
           <a:p>
             <a:fld id="{8CEA6A8B-0F3F-9742-9860-FB4C309D3FB1}" type="datetimeFigureOut">
               <a:rPr lang="en-US" smtClean="0"/>
-              <a:t>11/11/24</a:t>
+              <a:t>11/17/24</a:t>
             </a:fld>
             <a:endParaRPr lang="en-US"/>
           </a:p>
@@ -3138,7 +3143,7 @@
           <a:p>
             <a:fld id="{8CEA6A8B-0F3F-9742-9860-FB4C309D3FB1}" type="datetimeFigureOut">
               <a:rPr lang="en-US" smtClean="0"/>
-              <a:t>11/11/24</a:t>
+              <a:t>11/17/24</a:t>
             </a:fld>
             <a:endParaRPr lang="en-US"/>
           </a:p>
@@ -3315,7 +3320,7 @@
           <a:p>
             <a:fld id="{8CEA6A8B-0F3F-9742-9860-FB4C309D3FB1}" type="datetimeFigureOut">
               <a:rPr lang="en-US" smtClean="0"/>
-              <a:t>11/11/24</a:t>
+              <a:t>11/17/24</a:t>
             </a:fld>
             <a:endParaRPr lang="en-US"/>
           </a:p>
@@ -3553,7 +3558,7 @@
           <a:p>
             <a:fld id="{8CEA6A8B-0F3F-9742-9860-FB4C309D3FB1}" type="datetimeFigureOut">
               <a:rPr lang="en-US" smtClean="0"/>
-              <a:t>11/11/24</a:t>
+              <a:t>11/17/24</a:t>
             </a:fld>
             <a:endParaRPr lang="en-US"/>
           </a:p>
@@ -3753,7 +3758,7 @@
           <a:p>
             <a:fld id="{8CEA6A8B-0F3F-9742-9860-FB4C309D3FB1}" type="datetimeFigureOut">
               <a:rPr lang="en-US" smtClean="0"/>
-              <a:t>11/11/24</a:t>
+              <a:t>11/17/24</a:t>
             </a:fld>
             <a:endParaRPr lang="en-US"/>
           </a:p>
@@ -4029,7 +4034,7 @@
           <a:p>
             <a:fld id="{8CEA6A8B-0F3F-9742-9860-FB4C309D3FB1}" type="datetimeFigureOut">
               <a:rPr lang="en-US" smtClean="0"/>
-              <a:t>11/11/24</a:t>
+              <a:t>11/17/24</a:t>
             </a:fld>
             <a:endParaRPr lang="en-US"/>
           </a:p>
@@ -4295,7 +4300,7 @@
           <a:p>
             <a:fld id="{8CEA6A8B-0F3F-9742-9860-FB4C309D3FB1}" type="datetimeFigureOut">
               <a:rPr lang="en-US" smtClean="0"/>
-              <a:t>11/11/24</a:t>
+              <a:t>11/17/24</a:t>
             </a:fld>
             <a:endParaRPr lang="en-US"/>
           </a:p>
@@ -4669,7 +4674,7 @@
           <a:p>
             <a:fld id="{8CEA6A8B-0F3F-9742-9860-FB4C309D3FB1}" type="datetimeFigureOut">
               <a:rPr lang="en-US" smtClean="0"/>
-              <a:t>11/11/24</a:t>
+              <a:t>11/17/24</a:t>
             </a:fld>
             <a:endParaRPr lang="en-US"/>
           </a:p>
@@ -4817,7 +4822,7 @@
           <a:p>
             <a:fld id="{8CEA6A8B-0F3F-9742-9860-FB4C309D3FB1}" type="datetimeFigureOut">
               <a:rPr lang="en-US" smtClean="0"/>
-              <a:t>11/11/24</a:t>
+              <a:t>11/17/24</a:t>
             </a:fld>
             <a:endParaRPr lang="en-US"/>
           </a:p>
@@ -4942,7 +4947,7 @@
           <a:p>
             <a:fld id="{8CEA6A8B-0F3F-9742-9860-FB4C309D3FB1}" type="datetimeFigureOut">
               <a:rPr lang="en-US" smtClean="0"/>
-              <a:t>11/11/24</a:t>
+              <a:t>11/17/24</a:t>
             </a:fld>
             <a:endParaRPr lang="en-US"/>
           </a:p>
@@ -5227,7 +5232,7 @@
           <a:p>
             <a:fld id="{8CEA6A8B-0F3F-9742-9860-FB4C309D3FB1}" type="datetimeFigureOut">
               <a:rPr lang="en-US" smtClean="0"/>
-              <a:t>11/11/24</a:t>
+              <a:t>11/17/24</a:t>
             </a:fld>
             <a:endParaRPr lang="en-US"/>
           </a:p>
@@ -5551,7 +5556,7 @@
           <a:p>
             <a:fld id="{8CEA6A8B-0F3F-9742-9860-FB4C309D3FB1}" type="datetimeFigureOut">
               <a:rPr lang="en-US" smtClean="0"/>
-              <a:t>11/11/24</a:t>
+              <a:t>11/17/24</a:t>
             </a:fld>
             <a:endParaRPr lang="en-US"/>
           </a:p>
@@ -5765,7 +5770,7 @@
           <a:p>
             <a:fld id="{8CEA6A8B-0F3F-9742-9860-FB4C309D3FB1}" type="datetimeFigureOut">
               <a:rPr lang="en-US" smtClean="0"/>
-              <a:t>11/11/24</a:t>
+              <a:t>11/17/24</a:t>
             </a:fld>
             <a:endParaRPr lang="en-US"/>
           </a:p>
@@ -8153,7 +8158,7 @@
               <a:buNone/>
             </a:pPr>
             <a:r>
-              <a:rPr lang="en-IN" sz="2000" b="1">
+              <a:rPr lang="en-IN" sz="2000" b="1" dirty="0">
                 <a:latin typeface="Calibri" panose="020F0502020204030204" pitchFamily="34" charset="0"/>
                 <a:ea typeface="Calibri" panose="020F0502020204030204" pitchFamily="34" charset="0"/>
                 <a:cs typeface="Calibri" panose="020F0502020204030204" pitchFamily="34" charset="0"/>
@@ -8186,7 +8191,7 @@
               <a:buNone/>
             </a:pPr>
             <a:r>
-              <a:rPr lang="en-US" sz="2000" b="1">
+              <a:rPr lang="en-US" sz="2000" b="1" dirty="0">
                 <a:latin typeface="Calibri" panose="020F0502020204030204" pitchFamily="34" charset="0"/>
                 <a:ea typeface="Calibri" panose="020F0502020204030204" pitchFamily="34" charset="0"/>
                 <a:cs typeface="Calibri" panose="020F0502020204030204" pitchFamily="34" charset="0"/>
@@ -8201,7 +8206,7 @@
               </a:lnSpc>
             </a:pPr>
             <a:r>
-              <a:rPr lang="en-US" sz="2000">
+              <a:rPr lang="en-US" sz="2000" dirty="0">
                 <a:latin typeface="Calibri" panose="020F0502020204030204" pitchFamily="34" charset="0"/>
                 <a:ea typeface="Calibri" panose="020F0502020204030204" pitchFamily="34" charset="0"/>
                 <a:cs typeface="Calibri" panose="020F0502020204030204" pitchFamily="34" charset="0"/>
@@ -8209,7 +8214,7 @@
               <a:t>If the applicant is</a:t>
             </a:r>
             <a:r>
-              <a:rPr lang="en-US" sz="2000" b="1">
+              <a:rPr lang="en-US" sz="2000" b="1" dirty="0">
                 <a:latin typeface="Calibri" panose="020F0502020204030204" pitchFamily="34" charset="0"/>
                 <a:ea typeface="Calibri" panose="020F0502020204030204" pitchFamily="34" charset="0"/>
                 <a:cs typeface="Calibri" panose="020F0502020204030204" pitchFamily="34" charset="0"/>
@@ -8217,7 +8222,7 @@
               <a:t> likely to repay the loan</a:t>
             </a:r>
             <a:r>
-              <a:rPr lang="en-US" sz="2000">
+              <a:rPr lang="en-US" sz="2000" dirty="0">
                 <a:latin typeface="Calibri" panose="020F0502020204030204" pitchFamily="34" charset="0"/>
                 <a:ea typeface="Calibri" panose="020F0502020204030204" pitchFamily="34" charset="0"/>
                 <a:cs typeface="Calibri" panose="020F0502020204030204" pitchFamily="34" charset="0"/>
@@ -8225,7 +8230,7 @@
               <a:t>, then not approving the loan results in a </a:t>
             </a:r>
             <a:r>
-              <a:rPr lang="en-US" sz="2000" b="1">
+              <a:rPr lang="en-US" sz="2000" b="1" dirty="0">
                 <a:latin typeface="Calibri" panose="020F0502020204030204" pitchFamily="34" charset="0"/>
                 <a:ea typeface="Calibri" panose="020F0502020204030204" pitchFamily="34" charset="0"/>
                 <a:cs typeface="Calibri" panose="020F0502020204030204" pitchFamily="34" charset="0"/>
@@ -8233,7 +8238,7 @@
               <a:t>loss of business</a:t>
             </a:r>
             <a:r>
-              <a:rPr lang="en-US" sz="2000">
+              <a:rPr lang="en-US" sz="2000" dirty="0">
                 <a:latin typeface="Calibri" panose="020F0502020204030204" pitchFamily="34" charset="0"/>
                 <a:ea typeface="Calibri" panose="020F0502020204030204" pitchFamily="34" charset="0"/>
                 <a:cs typeface="Calibri" panose="020F0502020204030204" pitchFamily="34" charset="0"/>
@@ -8248,7 +8253,7 @@
               </a:lnSpc>
             </a:pPr>
             <a:r>
-              <a:rPr lang="en-US" sz="2000">
+              <a:rPr lang="en-US" sz="2000" dirty="0">
                 <a:latin typeface="Calibri" panose="020F0502020204030204" pitchFamily="34" charset="0"/>
                 <a:ea typeface="Calibri" panose="020F0502020204030204" pitchFamily="34" charset="0"/>
                 <a:cs typeface="Calibri" panose="020F0502020204030204" pitchFamily="34" charset="0"/>
@@ -8256,7 +8261,7 @@
               <a:t>If the applicant is </a:t>
             </a:r>
             <a:r>
-              <a:rPr lang="en-US" sz="2000" b="1">
+              <a:rPr lang="en-US" sz="2000" b="1" dirty="0">
                 <a:latin typeface="Calibri" panose="020F0502020204030204" pitchFamily="34" charset="0"/>
                 <a:ea typeface="Calibri" panose="020F0502020204030204" pitchFamily="34" charset="0"/>
                 <a:cs typeface="Calibri" panose="020F0502020204030204" pitchFamily="34" charset="0"/>
@@ -8264,7 +8269,7 @@
               <a:t>not likely to repay the loan,</a:t>
             </a:r>
             <a:r>
-              <a:rPr lang="en-US" sz="2000">
+              <a:rPr lang="en-US" sz="2000" dirty="0">
                 <a:latin typeface="Calibri" panose="020F0502020204030204" pitchFamily="34" charset="0"/>
                 <a:ea typeface="Calibri" panose="020F0502020204030204" pitchFamily="34" charset="0"/>
                 <a:cs typeface="Calibri" panose="020F0502020204030204" pitchFamily="34" charset="0"/>
@@ -8272,7 +8277,7 @@
               <a:t> i.e. he/she is likely to default, then approving the loan may lead to a </a:t>
             </a:r>
             <a:r>
-              <a:rPr lang="en-US" sz="2000" b="1">
+              <a:rPr lang="en-US" sz="2000" b="1" dirty="0">
                 <a:latin typeface="Calibri" panose="020F0502020204030204" pitchFamily="34" charset="0"/>
                 <a:ea typeface="Calibri" panose="020F0502020204030204" pitchFamily="34" charset="0"/>
                 <a:cs typeface="Calibri" panose="020F0502020204030204" pitchFamily="34" charset="0"/>
@@ -8280,7 +8285,7 @@
               <a:t>financial loss</a:t>
             </a:r>
             <a:r>
-              <a:rPr lang="en-US" sz="2000">
+              <a:rPr lang="en-US" sz="2000" dirty="0">
                 <a:latin typeface="Calibri" panose="020F0502020204030204" pitchFamily="34" charset="0"/>
                 <a:ea typeface="Calibri" panose="020F0502020204030204" pitchFamily="34" charset="0"/>
                 <a:cs typeface="Calibri" panose="020F0502020204030204" pitchFamily="34" charset="0"/>
@@ -8295,7 +8300,7 @@
               </a:lnSpc>
               <a:buNone/>
             </a:pPr>
-            <a:endParaRPr lang="en-US" sz="2000"/>
+            <a:endParaRPr lang="en-US" sz="2000" dirty="0"/>
           </a:p>
           <a:p>
             <a:pPr marL="0" indent="0">
@@ -8304,7 +8309,7 @@
               </a:lnSpc>
               <a:buNone/>
             </a:pPr>
-            <a:endParaRPr lang="en-US" sz="2000"/>
+            <a:endParaRPr lang="en-US" sz="2000" dirty="0"/>
           </a:p>
           <a:p>
             <a:pPr marL="0" indent="0">
@@ -8313,7 +8318,7 @@
               </a:lnSpc>
               <a:buNone/>
             </a:pPr>
-            <a:endParaRPr lang="en-US" sz="2000"/>
+            <a:endParaRPr lang="en-US" sz="2000" dirty="0"/>
           </a:p>
           <a:p>
             <a:pPr>
@@ -8321,7 +8326,7 @@
                 <a:spcPct val="110000"/>
               </a:lnSpc>
             </a:pPr>
-            <a:endParaRPr lang="en-IN" sz="2000"/>
+            <a:endParaRPr lang="en-IN" sz="2000" dirty="0"/>
           </a:p>
         </p:txBody>
       </p:sp>
